--- a/Type Script v9.0.pptx
+++ b/Type Script v9.0.pptx
@@ -39,9 +39,8 @@
     <p:sldId id="358" r:id="rId33"/>
     <p:sldId id="359" r:id="rId34"/>
     <p:sldId id="360" r:id="rId35"/>
-    <p:sldId id="361" r:id="rId36"/>
-    <p:sldId id="362" r:id="rId37"/>
-    <p:sldId id="268" r:id="rId38"/>
+    <p:sldId id="362" r:id="rId36"/>
+    <p:sldId id="268" r:id="rId37"/>
   </p:sldIdLst>
   <p:sldSz cx="12192000" cy="6858000"/>
   <p:notesSz cx="6858000" cy="9144000"/>
@@ -11266,8 +11265,35 @@
           <a:p>
             <a:r>
               <a:rPr lang="en-IN" dirty="0"/>
-              <a:t>We need to configure it in index.html</a:t>
-            </a:r>
+              <a:t>We need to configure it in </a:t>
+            </a:r>
+            <a:r>
+              <a:rPr lang="en-IN" dirty="0" smtClean="0"/>
+              <a:t>index.html</a:t>
+            </a:r>
+          </a:p>
+          <a:p>
+            <a:r>
+              <a:rPr lang="en-IN" dirty="0" smtClean="0"/>
+              <a:t>Demo using branches </a:t>
+            </a:r>
+            <a:r>
+              <a:rPr lang="en-IN" dirty="0" smtClean="0">
+                <a:hlinkClick r:id="rId2"/>
+              </a:rPr>
+              <a:t>modules</a:t>
+            </a:r>
+            <a:r>
+              <a:rPr lang="en-IN" dirty="0" smtClean="0"/>
+              <a:t> and </a:t>
+            </a:r>
+            <a:r>
+              <a:rPr lang="en-IN" dirty="0" smtClean="0">
+                <a:hlinkClick r:id="rId3"/>
+              </a:rPr>
+              <a:t>Advanced-modules</a:t>
+            </a:r>
+            <a:endParaRPr lang="en-IN" dirty="0"/>
           </a:p>
           <a:p>
             <a:endParaRPr lang="en-GB" b="1" i="1" dirty="0" smtClean="0">
@@ -11311,36 +11337,199 @@
           <a:chExt cx="0" cy="0"/>
         </a:xfrm>
       </p:grpSpPr>
-      <p:pic>
-        <p:nvPicPr>
-          <p:cNvPr id="4" name="Content Placeholder 3"/>
-          <p:cNvPicPr>
-            <a:picLocks noGrp="1" noChangeAspect="1"/>
-          </p:cNvPicPr>
-          <p:nvPr>
-            <p:ph idx="1"/>
-          </p:nvPr>
-        </p:nvPicPr>
-        <p:blipFill>
-          <a:blip r:embed="rId2"/>
-          <a:stretch>
-            <a:fillRect/>
-          </a:stretch>
-        </p:blipFill>
+      <p:sp>
+        <p:nvSpPr>
+          <p:cNvPr id="2" name="Title 1"/>
+          <p:cNvSpPr>
+            <a:spLocks noGrp="1"/>
+          </p:cNvSpPr>
+          <p:nvPr>
+            <p:ph type="title"/>
+          </p:nvPr>
+        </p:nvSpPr>
         <p:spPr>
           <a:xfrm>
-            <a:off x="677863" y="1001904"/>
-            <a:ext cx="8596312" cy="4320791"/>
+            <a:off x="629207" y="121462"/>
+            <a:ext cx="8596668" cy="552307"/>
           </a:xfrm>
-          <a:prstGeom prst="rect">
-            <a:avLst/>
-          </a:prstGeom>
         </p:spPr>
-      </p:pic>
+        <p:txBody>
+          <a:bodyPr>
+            <a:normAutofit fontScale="90000"/>
+          </a:bodyPr>
+          <a:lstStyle/>
+          <a:p>
+            <a:r>
+              <a:rPr lang="en-IN" b="1" dirty="0"/>
+              <a:t>Doing Contract Work with Interfaces</a:t>
+            </a:r>
+            <a:endParaRPr lang="en-GB" dirty="0"/>
+          </a:p>
+        </p:txBody>
+      </p:sp>
+      <p:sp>
+        <p:nvSpPr>
+          <p:cNvPr id="3" name="Content Placeholder 2"/>
+          <p:cNvSpPr>
+            <a:spLocks noGrp="1"/>
+          </p:cNvSpPr>
+          <p:nvPr>
+            <p:ph idx="1"/>
+          </p:nvPr>
+        </p:nvSpPr>
+        <p:spPr>
+          <a:xfrm>
+            <a:off x="677334" y="673769"/>
+            <a:ext cx="8596668" cy="5367593"/>
+          </a:xfrm>
+        </p:spPr>
+        <p:txBody>
+          <a:bodyPr/>
+          <a:lstStyle/>
+          <a:p>
+            <a:r>
+              <a:rPr lang="en-IN" dirty="0" smtClean="0"/>
+              <a:t>Interfaces are used to define contracts that must be fulfilled.</a:t>
+            </a:r>
+          </a:p>
+          <a:p>
+            <a:r>
+              <a:rPr lang="en-IN" dirty="0" smtClean="0"/>
+              <a:t>It helps in enforcing the rule that certain methods or properties must be available for a piece of code to work.</a:t>
+            </a:r>
+          </a:p>
+          <a:p>
+            <a:r>
+              <a:rPr lang="en-IN" dirty="0" smtClean="0"/>
+              <a:t>Interfaces don’t get compiled to </a:t>
+            </a:r>
+            <a:r>
+              <a:rPr lang="en-IN" dirty="0" err="1" smtClean="0"/>
+              <a:t>js</a:t>
+            </a:r>
+            <a:r>
+              <a:rPr lang="en-IN" dirty="0" smtClean="0"/>
+              <a:t> code they are just for compilation errors in </a:t>
+            </a:r>
+            <a:r>
+              <a:rPr lang="en-IN" dirty="0" err="1" smtClean="0"/>
+              <a:t>ts</a:t>
+            </a:r>
+            <a:r>
+              <a:rPr lang="en-IN" dirty="0" smtClean="0"/>
+              <a:t>.</a:t>
+            </a:r>
+          </a:p>
+          <a:p>
+            <a:r>
+              <a:rPr lang="en-IN" dirty="0" smtClean="0"/>
+              <a:t>Interfaces are created with interface keyword</a:t>
+            </a:r>
+          </a:p>
+          <a:p>
+            <a:r>
+              <a:rPr lang="en-IN" dirty="0"/>
+              <a:t>we can also specify optional </a:t>
+            </a:r>
+            <a:r>
+              <a:rPr lang="en-IN" dirty="0" smtClean="0"/>
+              <a:t>fields</a:t>
+            </a:r>
+            <a:r>
+              <a:rPr lang="en-IN" dirty="0"/>
+              <a:t> in </a:t>
+            </a:r>
+            <a:r>
+              <a:rPr lang="en-IN" dirty="0" smtClean="0"/>
+              <a:t>interfaces using ?keyword</a:t>
+            </a:r>
+          </a:p>
+          <a:p>
+            <a:r>
+              <a:rPr lang="en-IN" dirty="0" smtClean="0"/>
+              <a:t>We can have </a:t>
+            </a:r>
+            <a:r>
+              <a:rPr lang="en-GB" dirty="0" smtClean="0"/>
+              <a:t>unnamed</a:t>
+            </a:r>
+            <a:r>
+              <a:rPr lang="en-GB" dirty="0"/>
+              <a:t> </a:t>
+            </a:r>
+            <a:r>
+              <a:rPr lang="en-GB" dirty="0" smtClean="0"/>
+              <a:t>properties</a:t>
+            </a:r>
+          </a:p>
+          <a:p>
+            <a:r>
+              <a:rPr lang="en-GB" dirty="0"/>
+              <a:t>I</a:t>
+            </a:r>
+            <a:r>
+              <a:rPr lang="en-GB" dirty="0" smtClean="0"/>
+              <a:t>nterfaces</a:t>
+            </a:r>
+            <a:r>
+              <a:rPr lang="en-GB" dirty="0"/>
+              <a:t> </a:t>
+            </a:r>
+            <a:r>
+              <a:rPr lang="en-GB" dirty="0" smtClean="0"/>
+              <a:t>can be used with</a:t>
+            </a:r>
+            <a:r>
+              <a:rPr lang="en-GB" dirty="0"/>
+              <a:t> </a:t>
+            </a:r>
+            <a:r>
+              <a:rPr lang="en-GB" dirty="0" smtClean="0"/>
+              <a:t>methods/classes and function types</a:t>
+            </a:r>
+          </a:p>
+          <a:p>
+            <a:r>
+              <a:rPr lang="en-IN" dirty="0" smtClean="0"/>
+              <a:t>One interface can inherit another interface and can also override its field/method</a:t>
+            </a:r>
+            <a:r>
+              <a:rPr lang="en-IN" dirty="0" smtClean="0"/>
+              <a:t>.</a:t>
+            </a:r>
+          </a:p>
+          <a:p>
+            <a:r>
+              <a:rPr lang="en-IN" dirty="0" smtClean="0"/>
+              <a:t>Demo using branch </a:t>
+            </a:r>
+            <a:r>
+              <a:rPr lang="en-IN" dirty="0" smtClean="0">
+                <a:hlinkClick r:id="rId2"/>
+              </a:rPr>
+              <a:t>interfaces</a:t>
+            </a:r>
+            <a:r>
+              <a:rPr lang="en-IN" dirty="0" smtClean="0"/>
+              <a:t>.</a:t>
+            </a:r>
+            <a:endParaRPr lang="en-GB" dirty="0"/>
+          </a:p>
+          <a:p>
+            <a:endParaRPr lang="en-GB" dirty="0"/>
+          </a:p>
+          <a:p>
+            <a:endParaRPr lang="en-IN" dirty="0"/>
+          </a:p>
+          <a:p>
+            <a:endParaRPr lang="en-GB" dirty="0"/>
+          </a:p>
+        </p:txBody>
+      </p:sp>
     </p:spTree>
     <p:extLst>
       <p:ext uri="{BB962C8B-B14F-4D97-AF65-F5344CB8AC3E}">
-        <p14:creationId xmlns:p14="http://schemas.microsoft.com/office/powerpoint/2010/main" val="4198093877"/>
+        <p14:creationId xmlns:p14="http://schemas.microsoft.com/office/powerpoint/2010/main" val="1370304157"/>
       </p:ext>
     </p:extLst>
   </p:cSld>
@@ -11351,205 +11540,6 @@
 </file>
 
 <file path=ppt/slides/slide36.xml><?xml version="1.0" encoding="utf-8"?>
-<p:sld xmlns:a="http://schemas.openxmlformats.org/drawingml/2006/main" xmlns:r="http://schemas.openxmlformats.org/officeDocument/2006/relationships" xmlns:p="http://schemas.openxmlformats.org/presentationml/2006/main">
-  <p:cSld>
-    <p:spTree>
-      <p:nvGrpSpPr>
-        <p:cNvPr id="1" name=""/>
-        <p:cNvGrpSpPr/>
-        <p:nvPr/>
-      </p:nvGrpSpPr>
-      <p:grpSpPr>
-        <a:xfrm>
-          <a:off x="0" y="0"/>
-          <a:ext cx="0" cy="0"/>
-          <a:chOff x="0" y="0"/>
-          <a:chExt cx="0" cy="0"/>
-        </a:xfrm>
-      </p:grpSpPr>
-      <p:sp>
-        <p:nvSpPr>
-          <p:cNvPr id="2" name="Title 1"/>
-          <p:cNvSpPr>
-            <a:spLocks noGrp="1"/>
-          </p:cNvSpPr>
-          <p:nvPr>
-            <p:ph type="title"/>
-          </p:nvPr>
-        </p:nvSpPr>
-        <p:spPr>
-          <a:xfrm>
-            <a:off x="629207" y="121462"/>
-            <a:ext cx="8596668" cy="552307"/>
-          </a:xfrm>
-        </p:spPr>
-        <p:txBody>
-          <a:bodyPr>
-            <a:normAutofit fontScale="90000"/>
-          </a:bodyPr>
-          <a:lstStyle/>
-          <a:p>
-            <a:r>
-              <a:rPr lang="en-IN" b="1" dirty="0"/>
-              <a:t>Doing Contract Work with Interfaces</a:t>
-            </a:r>
-            <a:endParaRPr lang="en-GB" dirty="0"/>
-          </a:p>
-        </p:txBody>
-      </p:sp>
-      <p:sp>
-        <p:nvSpPr>
-          <p:cNvPr id="3" name="Content Placeholder 2"/>
-          <p:cNvSpPr>
-            <a:spLocks noGrp="1"/>
-          </p:cNvSpPr>
-          <p:nvPr>
-            <p:ph idx="1"/>
-          </p:nvPr>
-        </p:nvSpPr>
-        <p:spPr>
-          <a:xfrm>
-            <a:off x="677334" y="673769"/>
-            <a:ext cx="8596668" cy="5367593"/>
-          </a:xfrm>
-        </p:spPr>
-        <p:txBody>
-          <a:bodyPr/>
-          <a:lstStyle/>
-          <a:p>
-            <a:r>
-              <a:rPr lang="en-IN" dirty="0" smtClean="0"/>
-              <a:t>Interfaces are used to define contracts that must be fulfilled.</a:t>
-            </a:r>
-          </a:p>
-          <a:p>
-            <a:r>
-              <a:rPr lang="en-IN" dirty="0" smtClean="0"/>
-              <a:t>It helps in enforcing the rule that certain methods or properties must be available for a piece of code to work.</a:t>
-            </a:r>
-          </a:p>
-          <a:p>
-            <a:r>
-              <a:rPr lang="en-IN" dirty="0" smtClean="0"/>
-              <a:t>Interfaces don’t get compiled to </a:t>
-            </a:r>
-            <a:r>
-              <a:rPr lang="en-IN" dirty="0" err="1" smtClean="0"/>
-              <a:t>js</a:t>
-            </a:r>
-            <a:r>
-              <a:rPr lang="en-IN" dirty="0" smtClean="0"/>
-              <a:t> code they are just for compilation errors in </a:t>
-            </a:r>
-            <a:r>
-              <a:rPr lang="en-IN" dirty="0" err="1" smtClean="0"/>
-              <a:t>ts</a:t>
-            </a:r>
-            <a:r>
-              <a:rPr lang="en-IN" dirty="0" smtClean="0"/>
-              <a:t>.</a:t>
-            </a:r>
-          </a:p>
-          <a:p>
-            <a:r>
-              <a:rPr lang="en-IN" dirty="0" smtClean="0"/>
-              <a:t>Interfaces are created with interface keyword</a:t>
-            </a:r>
-          </a:p>
-          <a:p>
-            <a:r>
-              <a:rPr lang="en-IN" dirty="0"/>
-              <a:t>we can also specify optional </a:t>
-            </a:r>
-            <a:r>
-              <a:rPr lang="en-IN" dirty="0" smtClean="0"/>
-              <a:t>fields</a:t>
-            </a:r>
-            <a:r>
-              <a:rPr lang="en-IN" dirty="0"/>
-              <a:t> in </a:t>
-            </a:r>
-            <a:r>
-              <a:rPr lang="en-IN" dirty="0" smtClean="0"/>
-              <a:t>interfaces using ?keyword</a:t>
-            </a:r>
-          </a:p>
-          <a:p>
-            <a:r>
-              <a:rPr lang="en-IN" dirty="0" smtClean="0"/>
-              <a:t>We can have </a:t>
-            </a:r>
-            <a:r>
-              <a:rPr lang="en-GB" dirty="0" smtClean="0"/>
-              <a:t>unnamed</a:t>
-            </a:r>
-            <a:r>
-              <a:rPr lang="en-GB" dirty="0"/>
-              <a:t> </a:t>
-            </a:r>
-            <a:r>
-              <a:rPr lang="en-GB" dirty="0" smtClean="0"/>
-              <a:t>properties</a:t>
-            </a:r>
-          </a:p>
-          <a:p>
-            <a:r>
-              <a:rPr lang="en-GB" dirty="0"/>
-              <a:t>I</a:t>
-            </a:r>
-            <a:r>
-              <a:rPr lang="en-GB" dirty="0" smtClean="0"/>
-              <a:t>nterfaces</a:t>
-            </a:r>
-            <a:r>
-              <a:rPr lang="en-GB" dirty="0"/>
-              <a:t> </a:t>
-            </a:r>
-            <a:r>
-              <a:rPr lang="en-GB" dirty="0" smtClean="0"/>
-              <a:t>can be used with</a:t>
-            </a:r>
-            <a:r>
-              <a:rPr lang="en-GB" dirty="0"/>
-              <a:t> </a:t>
-            </a:r>
-            <a:r>
-              <a:rPr lang="en-GB" dirty="0" smtClean="0"/>
-              <a:t>methods/classes and function types</a:t>
-            </a:r>
-          </a:p>
-          <a:p>
-            <a:r>
-              <a:rPr lang="en-IN" dirty="0" smtClean="0"/>
-              <a:t>One interface can inherit another interface and can also override its field/method.</a:t>
-            </a:r>
-            <a:endParaRPr lang="en-GB" dirty="0"/>
-          </a:p>
-          <a:p>
-            <a:endParaRPr lang="en-GB" dirty="0"/>
-          </a:p>
-          <a:p>
-            <a:endParaRPr lang="en-IN" dirty="0"/>
-          </a:p>
-          <a:p>
-            <a:endParaRPr lang="en-GB" dirty="0"/>
-          </a:p>
-        </p:txBody>
-      </p:sp>
-    </p:spTree>
-    <p:extLst>
-      <p:ext uri="{BB962C8B-B14F-4D97-AF65-F5344CB8AC3E}">
-        <p14:creationId xmlns:p14="http://schemas.microsoft.com/office/powerpoint/2010/main" val="2147172020"/>
-      </p:ext>
-    </p:extLst>
-  </p:cSld>
-  <p:clrMapOvr>
-    <a:masterClrMapping/>
-  </p:clrMapOvr>
-</p:sld>
-</file>
-
-<file path=ppt/slides/slide37.xml><?xml version="1.0" encoding="utf-8"?>
 <p:sld xmlns:a="http://schemas.openxmlformats.org/drawingml/2006/main" xmlns:r="http://schemas.openxmlformats.org/officeDocument/2006/relationships" xmlns:p="http://schemas.openxmlformats.org/presentationml/2006/main">
   <p:cSld>
     <p:spTree>
